--- a/Presentation1.pptx
+++ b/Presentation1.pptx
@@ -13492,7 +13492,7 @@
         <p:spPr>
           <a:xfrm>
             <a:off x="481780" y="2406445"/>
-            <a:ext cx="6892413" cy="4318820"/>
+            <a:ext cx="6046839" cy="4318820"/>
           </a:xfrm>
         </p:spPr>
         <p:txBody>
@@ -13781,10 +13781,10 @@
       </p:sp>
       <p:pic>
         <p:nvPicPr>
-          <p:cNvPr id="9" name="Picture 8">
+          <p:cNvPr id="5" name="Picture 4">
             <a:extLst>
               <a:ext uri="{FF2B5EF4-FFF2-40B4-BE49-F238E27FC236}">
-                <a16:creationId xmlns:a16="http://schemas.microsoft.com/office/drawing/2014/main" id="{F6F8D415-6294-D033-B1F3-0C3B98A86120}"/>
+                <a16:creationId xmlns:a16="http://schemas.microsoft.com/office/drawing/2014/main" id="{74BA7EEE-9677-D2D8-AF72-2F86A9D7E455}"/>
               </a:ext>
             </a:extLst>
           </p:cNvPr>
@@ -13795,18 +13795,19 @@
         </p:nvPicPr>
         <p:blipFill>
           <a:blip r:embed="rId2"/>
-          <a:srcRect l="1738" t="1595" r="4591" b="2504"/>
-          <a:stretch/>
+          <a:stretch>
+            <a:fillRect/>
+          </a:stretch>
         </p:blipFill>
         <p:spPr>
           <a:xfrm>
-            <a:off x="7580671" y="2406445"/>
-            <a:ext cx="4208206" cy="4141839"/>
+            <a:off x="8249492" y="2297522"/>
+            <a:ext cx="3333750" cy="1933575"/>
           </a:xfrm>
           <a:prstGeom prst="rect">
             <a:avLst/>
           </a:prstGeom>
-          <a:ln w="38100" cap="sq">
+          <a:ln w="88900" cap="sq" cmpd="thickThin">
             <a:solidFill>
               <a:srgbClr val="000000"/>
             </a:solidFill>
@@ -13814,11 +13815,93 @@
             <a:miter lim="800000"/>
           </a:ln>
           <a:effectLst>
-            <a:outerShdw blurRad="50800" dist="38100" dir="2700000" algn="tl" rotWithShape="0">
-              <a:srgbClr val="000000">
-                <a:alpha val="43000"/>
-              </a:srgbClr>
-            </a:outerShdw>
+            <a:innerShdw blurRad="76200">
+              <a:srgbClr val="000000"/>
+            </a:innerShdw>
+          </a:effectLst>
+        </p:spPr>
+      </p:pic>
+      <p:pic>
+        <p:nvPicPr>
+          <p:cNvPr id="7" name="Picture 6">
+            <a:extLst>
+              <a:ext uri="{FF2B5EF4-FFF2-40B4-BE49-F238E27FC236}">
+                <a16:creationId xmlns:a16="http://schemas.microsoft.com/office/drawing/2014/main" id="{5FA63D7F-6307-E267-3DE0-EE07A0B22714}"/>
+              </a:ext>
+            </a:extLst>
+          </p:cNvPr>
+          <p:cNvPicPr>
+            <a:picLocks noChangeAspect="1"/>
+          </p:cNvPicPr>
+          <p:nvPr/>
+        </p:nvPicPr>
+        <p:blipFill>
+          <a:blip r:embed="rId3"/>
+          <a:stretch>
+            <a:fillRect/>
+          </a:stretch>
+        </p:blipFill>
+        <p:spPr>
+          <a:xfrm>
+            <a:off x="8238969" y="4565855"/>
+            <a:ext cx="3354796" cy="1933575"/>
+          </a:xfrm>
+          <a:prstGeom prst="rect">
+            <a:avLst/>
+          </a:prstGeom>
+          <a:ln w="88900" cap="sq" cmpd="thickThin">
+            <a:solidFill>
+              <a:srgbClr val="000000"/>
+            </a:solidFill>
+            <a:prstDash val="solid"/>
+            <a:miter lim="800000"/>
+          </a:ln>
+          <a:effectLst>
+            <a:innerShdw blurRad="76200">
+              <a:srgbClr val="000000"/>
+            </a:innerShdw>
+          </a:effectLst>
+        </p:spPr>
+      </p:pic>
+      <p:pic>
+        <p:nvPicPr>
+          <p:cNvPr id="12" name="Picture 11">
+            <a:extLst>
+              <a:ext uri="{FF2B5EF4-FFF2-40B4-BE49-F238E27FC236}">
+                <a16:creationId xmlns:a16="http://schemas.microsoft.com/office/drawing/2014/main" id="{2915778C-1691-FCD2-7A20-B49C37F318E8}"/>
+              </a:ext>
+            </a:extLst>
+          </p:cNvPr>
+          <p:cNvPicPr>
+            <a:picLocks noChangeAspect="1"/>
+          </p:cNvPicPr>
+          <p:nvPr/>
+        </p:nvPicPr>
+        <p:blipFill>
+          <a:blip r:embed="rId4"/>
+          <a:stretch>
+            <a:fillRect/>
+          </a:stretch>
+        </p:blipFill>
+        <p:spPr>
+          <a:xfrm>
+            <a:off x="6369349" y="3264309"/>
+            <a:ext cx="1604612" cy="2064158"/>
+          </a:xfrm>
+          <a:prstGeom prst="rect">
+            <a:avLst/>
+          </a:prstGeom>
+          <a:ln w="88900" cap="sq" cmpd="thickThin">
+            <a:solidFill>
+              <a:srgbClr val="000000"/>
+            </a:solidFill>
+            <a:prstDash val="solid"/>
+            <a:miter lim="800000"/>
+          </a:ln>
+          <a:effectLst>
+            <a:innerShdw blurRad="76200">
+              <a:srgbClr val="000000"/>
+            </a:innerShdw>
           </a:effectLst>
         </p:spPr>
       </p:pic>
@@ -14019,7 +14102,7 @@
           <a:prstGeom prst="rect">
             <a:avLst/>
           </a:prstGeom>
-          <a:ln w="38100" cap="sq">
+          <a:ln w="88900" cap="sq" cmpd="thickThin">
             <a:solidFill>
               <a:srgbClr val="000000"/>
             </a:solidFill>
@@ -14027,11 +14110,9 @@
             <a:miter lim="800000"/>
           </a:ln>
           <a:effectLst>
-            <a:outerShdw blurRad="50800" dist="38100" dir="2700000" algn="tl" rotWithShape="0">
-              <a:srgbClr val="000000">
-                <a:alpha val="43000"/>
-              </a:srgbClr>
-            </a:outerShdw>
+            <a:innerShdw blurRad="76200">
+              <a:srgbClr val="000000"/>
+            </a:innerShdw>
           </a:effectLst>
         </p:spPr>
       </p:pic>
@@ -14056,13 +14137,13 @@
         </p:blipFill>
         <p:spPr>
           <a:xfrm>
-            <a:off x="7608631" y="4198374"/>
-            <a:ext cx="3562350" cy="1821425"/>
+            <a:off x="7608631" y="4286865"/>
+            <a:ext cx="3562350" cy="1732934"/>
           </a:xfrm>
           <a:prstGeom prst="rect">
             <a:avLst/>
           </a:prstGeom>
-          <a:ln w="38100" cap="sq">
+          <a:ln w="88900" cap="sq" cmpd="thickThin">
             <a:solidFill>
               <a:srgbClr val="000000"/>
             </a:solidFill>
@@ -14070,11 +14151,9 @@
             <a:miter lim="800000"/>
           </a:ln>
           <a:effectLst>
-            <a:outerShdw blurRad="50800" dist="38100" dir="2700000" algn="tl" rotWithShape="0">
-              <a:srgbClr val="000000">
-                <a:alpha val="43000"/>
-              </a:srgbClr>
-            </a:outerShdw>
+            <a:innerShdw blurRad="76200">
+              <a:srgbClr val="000000"/>
+            </a:innerShdw>
           </a:effectLst>
         </p:spPr>
       </p:pic>
@@ -14154,8 +14233,8 @@
         </p:nvSpPr>
         <p:spPr>
           <a:xfrm>
-            <a:off x="506025" y="2408903"/>
-            <a:ext cx="7271291" cy="3972232"/>
+            <a:off x="506025" y="2408902"/>
+            <a:ext cx="6130749" cy="4296697"/>
           </a:xfrm>
         </p:spPr>
         <p:txBody>
@@ -14328,49 +14407,6 @@
           </a:p>
         </p:txBody>
       </p:sp>
-      <p:pic>
-        <p:nvPicPr>
-          <p:cNvPr id="5" name="Picture 4">
-            <a:extLst>
-              <a:ext uri="{FF2B5EF4-FFF2-40B4-BE49-F238E27FC236}">
-                <a16:creationId xmlns:a16="http://schemas.microsoft.com/office/drawing/2014/main" id="{F1E6F596-1D76-CEFE-1D55-923BEBF5A257}"/>
-              </a:ext>
-            </a:extLst>
-          </p:cNvPr>
-          <p:cNvPicPr>
-            <a:picLocks noChangeAspect="1"/>
-          </p:cNvPicPr>
-          <p:nvPr/>
-        </p:nvPicPr>
-        <p:blipFill>
-          <a:blip r:embed="rId2"/>
-          <a:srcRect l="3151" t="3240" r="2323" b="6034"/>
-          <a:stretch/>
-        </p:blipFill>
-        <p:spPr>
-          <a:xfrm>
-            <a:off x="7668319" y="2644878"/>
-            <a:ext cx="3923914" cy="1415846"/>
-          </a:xfrm>
-          <a:prstGeom prst="rect">
-            <a:avLst/>
-          </a:prstGeom>
-          <a:ln w="38100" cap="sq">
-            <a:solidFill>
-              <a:srgbClr val="000000"/>
-            </a:solidFill>
-            <a:prstDash val="solid"/>
-            <a:miter lim="800000"/>
-          </a:ln>
-          <a:effectLst>
-            <a:outerShdw blurRad="50800" dist="38100" dir="2700000" algn="tl" rotWithShape="0">
-              <a:srgbClr val="000000">
-                <a:alpha val="43000"/>
-              </a:srgbClr>
-            </a:outerShdw>
-          </a:effectLst>
-        </p:spPr>
-      </p:pic>
       <p:pic>
         <p:nvPicPr>
           <p:cNvPr id="7" name="Picture 6">
@@ -14386,19 +14422,19 @@
           <p:nvPr/>
         </p:nvPicPr>
         <p:blipFill>
-          <a:blip r:embed="rId3"/>
+          <a:blip r:embed="rId2"/>
           <a:srcRect t="3961" r="3991" b="5136"/>
           <a:stretch/>
         </p:blipFill>
         <p:spPr>
           <a:xfrm>
-            <a:off x="7668319" y="4296699"/>
-            <a:ext cx="3923914" cy="1759974"/>
+            <a:off x="6558117" y="4439434"/>
+            <a:ext cx="5417574" cy="1759974"/>
           </a:xfrm>
           <a:prstGeom prst="rect">
             <a:avLst/>
           </a:prstGeom>
-          <a:ln w="38100" cap="sq">
+          <a:ln w="88900" cap="sq" cmpd="thickThin">
             <a:solidFill>
               <a:srgbClr val="000000"/>
             </a:solidFill>
@@ -14406,11 +14442,93 @@
             <a:miter lim="800000"/>
           </a:ln>
           <a:effectLst>
-            <a:outerShdw blurRad="50800" dist="38100" dir="2700000" algn="tl" rotWithShape="0">
-              <a:srgbClr val="000000">
-                <a:alpha val="43000"/>
-              </a:srgbClr>
-            </a:outerShdw>
+            <a:innerShdw blurRad="76200">
+              <a:srgbClr val="000000"/>
+            </a:innerShdw>
+          </a:effectLst>
+        </p:spPr>
+      </p:pic>
+      <p:pic>
+        <p:nvPicPr>
+          <p:cNvPr id="6" name="Picture 5">
+            <a:extLst>
+              <a:ext uri="{FF2B5EF4-FFF2-40B4-BE49-F238E27FC236}">
+                <a16:creationId xmlns:a16="http://schemas.microsoft.com/office/drawing/2014/main" id="{013FC198-0475-E283-5678-0D29AFE794F9}"/>
+              </a:ext>
+            </a:extLst>
+          </p:cNvPr>
+          <p:cNvPicPr>
+            <a:picLocks noChangeAspect="1"/>
+          </p:cNvPicPr>
+          <p:nvPr/>
+        </p:nvPicPr>
+        <p:blipFill>
+          <a:blip r:embed="rId3"/>
+          <a:stretch>
+            <a:fillRect/>
+          </a:stretch>
+        </p:blipFill>
+        <p:spPr>
+          <a:xfrm>
+            <a:off x="6636774" y="2408902"/>
+            <a:ext cx="2602562" cy="1696407"/>
+          </a:xfrm>
+          <a:prstGeom prst="rect">
+            <a:avLst/>
+          </a:prstGeom>
+          <a:ln w="88900" cap="sq" cmpd="thickThin">
+            <a:solidFill>
+              <a:srgbClr val="000000"/>
+            </a:solidFill>
+            <a:prstDash val="solid"/>
+            <a:miter lim="800000"/>
+          </a:ln>
+          <a:effectLst>
+            <a:innerShdw blurRad="76200">
+              <a:srgbClr val="000000"/>
+            </a:innerShdw>
+          </a:effectLst>
+        </p:spPr>
+      </p:pic>
+      <p:pic>
+        <p:nvPicPr>
+          <p:cNvPr id="9" name="Picture 8">
+            <a:extLst>
+              <a:ext uri="{FF2B5EF4-FFF2-40B4-BE49-F238E27FC236}">
+                <a16:creationId xmlns:a16="http://schemas.microsoft.com/office/drawing/2014/main" id="{5FE640D0-EA71-BFEB-8944-DAF95070CD19}"/>
+              </a:ext>
+            </a:extLst>
+          </p:cNvPr>
+          <p:cNvPicPr>
+            <a:picLocks noChangeAspect="1"/>
+          </p:cNvPicPr>
+          <p:nvPr/>
+        </p:nvPicPr>
+        <p:blipFill>
+          <a:blip r:embed="rId4"/>
+          <a:stretch>
+            <a:fillRect/>
+          </a:stretch>
+        </p:blipFill>
+        <p:spPr>
+          <a:xfrm>
+            <a:off x="9448800" y="2408901"/>
+            <a:ext cx="2526891" cy="1696407"/>
+          </a:xfrm>
+          <a:prstGeom prst="rect">
+            <a:avLst/>
+          </a:prstGeom>
+          <a:ln w="88900" cap="sq" cmpd="thickThin">
+            <a:solidFill>
+              <a:srgbClr val="000000"/>
+            </a:solidFill>
+            <a:prstDash val="solid"/>
+            <a:miter lim="800000"/>
+          </a:ln>
+          <a:effectLst>
+            <a:innerShdw blurRad="76200">
+              <a:srgbClr val="000000"/>
+            </a:innerShdw>
           </a:effectLst>
         </p:spPr>
       </p:pic>
@@ -14490,13 +14608,13 @@
         </p:nvSpPr>
         <p:spPr>
           <a:xfrm>
-            <a:off x="481781" y="2359742"/>
-            <a:ext cx="6921909" cy="4227871"/>
+            <a:off x="481781" y="2327788"/>
+            <a:ext cx="5614219" cy="4267199"/>
           </a:xfrm>
         </p:spPr>
         <p:txBody>
           <a:bodyPr>
-            <a:normAutofit fontScale="92500" lnSpcReduction="20000"/>
+            <a:normAutofit fontScale="85000" lnSpcReduction="20000"/>
           </a:bodyPr>
           <a:lstStyle/>
           <a:p>
@@ -14704,49 +14822,6 @@
           </a:p>
         </p:txBody>
       </p:sp>
-      <p:pic>
-        <p:nvPicPr>
-          <p:cNvPr id="7" name="Picture 6">
-            <a:extLst>
-              <a:ext uri="{FF2B5EF4-FFF2-40B4-BE49-F238E27FC236}">
-                <a16:creationId xmlns:a16="http://schemas.microsoft.com/office/drawing/2014/main" id="{E0099BC8-6201-CADC-A462-F9AC7ADA63BB}"/>
-              </a:ext>
-            </a:extLst>
-          </p:cNvPr>
-          <p:cNvPicPr>
-            <a:picLocks noChangeAspect="1"/>
-          </p:cNvPicPr>
-          <p:nvPr/>
-        </p:nvPicPr>
-        <p:blipFill>
-          <a:blip r:embed="rId2"/>
-          <a:srcRect t="6378"/>
-          <a:stretch/>
-        </p:blipFill>
-        <p:spPr>
-          <a:xfrm>
-            <a:off x="7475112" y="2458064"/>
-            <a:ext cx="4235107" cy="1443191"/>
-          </a:xfrm>
-          <a:prstGeom prst="rect">
-            <a:avLst/>
-          </a:prstGeom>
-          <a:ln w="38100" cap="sq">
-            <a:solidFill>
-              <a:srgbClr val="000000"/>
-            </a:solidFill>
-            <a:prstDash val="solid"/>
-            <a:miter lim="800000"/>
-          </a:ln>
-          <a:effectLst>
-            <a:outerShdw blurRad="50800" dist="38100" dir="2700000" algn="tl" rotWithShape="0">
-              <a:srgbClr val="000000">
-                <a:alpha val="43000"/>
-              </a:srgbClr>
-            </a:outerShdw>
-          </a:effectLst>
-        </p:spPr>
-      </p:pic>
       <p:pic>
         <p:nvPicPr>
           <p:cNvPr id="10" name="Picture 9">
@@ -14762,19 +14837,19 @@
           <p:nvPr/>
         </p:nvPicPr>
         <p:blipFill>
-          <a:blip r:embed="rId3"/>
+          <a:blip r:embed="rId2"/>
           <a:srcRect l="1645" t="5880" b="3764"/>
           <a:stretch/>
         </p:blipFill>
         <p:spPr>
           <a:xfrm>
-            <a:off x="7439877" y="4218039"/>
-            <a:ext cx="4270342" cy="1887794"/>
+            <a:off x="6351639" y="4461387"/>
+            <a:ext cx="5358580" cy="1887794"/>
           </a:xfrm>
           <a:prstGeom prst="rect">
             <a:avLst/>
           </a:prstGeom>
-          <a:ln w="38100" cap="sq">
+          <a:ln w="88900" cap="sq" cmpd="thickThin">
             <a:solidFill>
               <a:srgbClr val="000000"/>
             </a:solidFill>
@@ -14782,11 +14857,93 @@
             <a:miter lim="800000"/>
           </a:ln>
           <a:effectLst>
-            <a:outerShdw blurRad="50800" dist="38100" dir="2700000" algn="tl" rotWithShape="0">
-              <a:srgbClr val="000000">
-                <a:alpha val="43000"/>
-              </a:srgbClr>
-            </a:outerShdw>
+            <a:innerShdw blurRad="76200">
+              <a:srgbClr val="000000"/>
+            </a:innerShdw>
+          </a:effectLst>
+        </p:spPr>
+      </p:pic>
+      <p:pic>
+        <p:nvPicPr>
+          <p:cNvPr id="8" name="Picture 7">
+            <a:extLst>
+              <a:ext uri="{FF2B5EF4-FFF2-40B4-BE49-F238E27FC236}">
+                <a16:creationId xmlns:a16="http://schemas.microsoft.com/office/drawing/2014/main" id="{A8EDA5D9-2088-437A-7853-887F47BB9CEB}"/>
+              </a:ext>
+            </a:extLst>
+          </p:cNvPr>
+          <p:cNvPicPr>
+            <a:picLocks noChangeAspect="1"/>
+          </p:cNvPicPr>
+          <p:nvPr/>
+        </p:nvPicPr>
+        <p:blipFill>
+          <a:blip r:embed="rId3"/>
+          <a:stretch>
+            <a:fillRect/>
+          </a:stretch>
+        </p:blipFill>
+        <p:spPr>
+          <a:xfrm>
+            <a:off x="6351639" y="2327788"/>
+            <a:ext cx="2660702" cy="1801760"/>
+          </a:xfrm>
+          <a:prstGeom prst="rect">
+            <a:avLst/>
+          </a:prstGeom>
+          <a:ln w="88900" cap="sq" cmpd="thickThin">
+            <a:solidFill>
+              <a:srgbClr val="000000"/>
+            </a:solidFill>
+            <a:prstDash val="solid"/>
+            <a:miter lim="800000"/>
+          </a:ln>
+          <a:effectLst>
+            <a:innerShdw blurRad="76200">
+              <a:srgbClr val="000000"/>
+            </a:innerShdw>
+          </a:effectLst>
+        </p:spPr>
+      </p:pic>
+      <p:pic>
+        <p:nvPicPr>
+          <p:cNvPr id="11" name="Picture 10">
+            <a:extLst>
+              <a:ext uri="{FF2B5EF4-FFF2-40B4-BE49-F238E27FC236}">
+                <a16:creationId xmlns:a16="http://schemas.microsoft.com/office/drawing/2014/main" id="{33BEB976-78C5-A968-26F9-B363086E1BCC}"/>
+              </a:ext>
+            </a:extLst>
+          </p:cNvPr>
+          <p:cNvPicPr>
+            <a:picLocks noChangeAspect="1"/>
+          </p:cNvPicPr>
+          <p:nvPr/>
+        </p:nvPicPr>
+        <p:blipFill>
+          <a:blip r:embed="rId4"/>
+          <a:stretch>
+            <a:fillRect/>
+          </a:stretch>
+        </p:blipFill>
+        <p:spPr>
+          <a:xfrm>
+            <a:off x="9267980" y="2327788"/>
+            <a:ext cx="2434561" cy="1801760"/>
+          </a:xfrm>
+          <a:prstGeom prst="rect">
+            <a:avLst/>
+          </a:prstGeom>
+          <a:ln w="88900" cap="sq" cmpd="thickThin">
+            <a:solidFill>
+              <a:srgbClr val="000000"/>
+            </a:solidFill>
+            <a:prstDash val="solid"/>
+            <a:miter lim="800000"/>
+          </a:ln>
+          <a:effectLst>
+            <a:innerShdw blurRad="76200">
+              <a:srgbClr val="000000"/>
+            </a:innerShdw>
           </a:effectLst>
         </p:spPr>
       </p:pic>
@@ -15012,7 +15169,7 @@
           <a:prstGeom prst="rect">
             <a:avLst/>
           </a:prstGeom>
-          <a:ln w="38100" cap="sq">
+          <a:ln w="88900" cap="sq" cmpd="thickThin">
             <a:solidFill>
               <a:srgbClr val="000000"/>
             </a:solidFill>
@@ -15020,11 +15177,9 @@
             <a:miter lim="800000"/>
           </a:ln>
           <a:effectLst>
-            <a:outerShdw blurRad="50800" dist="38100" dir="2700000" algn="tl" rotWithShape="0">
-              <a:srgbClr val="000000">
-                <a:alpha val="43000"/>
-              </a:srgbClr>
-            </a:outerShdw>
+            <a:innerShdw blurRad="76200">
+              <a:srgbClr val="000000"/>
+            </a:innerShdw>
           </a:effectLst>
         </p:spPr>
       </p:pic>
@@ -15055,7 +15210,7 @@
           <a:prstGeom prst="rect">
             <a:avLst/>
           </a:prstGeom>
-          <a:ln w="38100" cap="sq">
+          <a:ln w="88900" cap="sq" cmpd="thickThin">
             <a:solidFill>
               <a:srgbClr val="000000"/>
             </a:solidFill>
@@ -15063,11 +15218,9 @@
             <a:miter lim="800000"/>
           </a:ln>
           <a:effectLst>
-            <a:outerShdw blurRad="50800" dist="38100" dir="2700000" algn="tl" rotWithShape="0">
-              <a:srgbClr val="000000">
-                <a:alpha val="43000"/>
-              </a:srgbClr>
-            </a:outerShdw>
+            <a:innerShdw blurRad="76200">
+              <a:srgbClr val="000000"/>
+            </a:innerShdw>
           </a:effectLst>
         </p:spPr>
       </p:pic>
@@ -15338,7 +15491,7 @@
           <a:p>
             <a:r>
               <a:rPr lang="en-US" dirty="0"/>
-              <a:t>Recommendations to Min Inactive Users</a:t>
+              <a:t>Recommendations to Minimize Inactive Users</a:t>
             </a:r>
           </a:p>
         </p:txBody>
@@ -17558,7 +17711,7 @@
           <a:prstGeom prst="rect">
             <a:avLst/>
           </a:prstGeom>
-          <a:ln w="38100" cap="sq">
+          <a:ln w="88900" cap="sq" cmpd="thickThin">
             <a:solidFill>
               <a:srgbClr val="000000"/>
             </a:solidFill>
@@ -17566,11 +17719,9 @@
             <a:miter lim="800000"/>
           </a:ln>
           <a:effectLst>
-            <a:outerShdw blurRad="50800" dist="38100" dir="2700000" algn="tl" rotWithShape="0">
-              <a:srgbClr val="000000">
-                <a:alpha val="43000"/>
-              </a:srgbClr>
-            </a:outerShdw>
+            <a:innerShdw blurRad="76200">
+              <a:srgbClr val="000000"/>
+            </a:innerShdw>
           </a:effectLst>
         </p:spPr>
       </p:pic>
@@ -17910,7 +18061,7 @@
           <a:prstGeom prst="rect">
             <a:avLst/>
           </a:prstGeom>
-          <a:ln w="38100" cap="sq">
+          <a:ln w="88900" cap="sq" cmpd="thickThin">
             <a:solidFill>
               <a:srgbClr val="000000"/>
             </a:solidFill>
@@ -17918,11 +18069,9 @@
             <a:miter lim="800000"/>
           </a:ln>
           <a:effectLst>
-            <a:outerShdw blurRad="50800" dist="38100" dir="2700000" algn="tl" rotWithShape="0">
-              <a:srgbClr val="000000">
-                <a:alpha val="43000"/>
-              </a:srgbClr>
-            </a:outerShdw>
+            <a:innerShdw blurRad="76200">
+              <a:srgbClr val="000000"/>
+            </a:innerShdw>
           </a:effectLst>
         </p:spPr>
         <p:style>
@@ -17969,7 +18118,7 @@
           <a:prstGeom prst="rect">
             <a:avLst/>
           </a:prstGeom>
-          <a:ln w="38100" cap="sq">
+          <a:ln w="88900" cap="sq" cmpd="thickThin">
             <a:solidFill>
               <a:srgbClr val="000000"/>
             </a:solidFill>
@@ -17977,11 +18126,9 @@
             <a:miter lim="800000"/>
           </a:ln>
           <a:effectLst>
-            <a:outerShdw blurRad="50800" dist="38100" dir="2700000" algn="tl" rotWithShape="0">
-              <a:srgbClr val="000000">
-                <a:alpha val="43000"/>
-              </a:srgbClr>
-            </a:outerShdw>
+            <a:innerShdw blurRad="76200">
+              <a:srgbClr val="000000"/>
+            </a:innerShdw>
           </a:effectLst>
         </p:spPr>
       </p:pic>
@@ -18061,15 +18208,21 @@
         </p:nvSpPr>
         <p:spPr>
           <a:xfrm>
-            <a:off x="521110" y="2340077"/>
-            <a:ext cx="7325032" cy="4266365"/>
+            <a:off x="521110" y="2074607"/>
+            <a:ext cx="5181600" cy="4531836"/>
           </a:xfrm>
         </p:spPr>
         <p:txBody>
-          <a:bodyPr anchor="ctr">
-            <a:normAutofit/>
+          <a:bodyPr anchor="b">
+            <a:normAutofit lnSpcReduction="10000"/>
           </a:bodyPr>
           <a:lstStyle/>
+          <a:p>
+            <a:endParaRPr lang="en-US" sz="1700" dirty="0">
+              <a:latin typeface="Arial" panose="020B0604020202020204" pitchFamily="34" charset="0"/>
+              <a:cs typeface="Arial" panose="020B0604020202020204" pitchFamily="34" charset="0"/>
+            </a:endParaRPr>
+          </a:p>
           <a:p>
             <a:r>
               <a:rPr lang="en-US" sz="1700" dirty="0" err="1">
@@ -18248,10 +18401,10 @@
       </p:sp>
       <p:pic>
         <p:nvPicPr>
-          <p:cNvPr id="5" name="Picture 4">
+          <p:cNvPr id="10" name="Picture 9">
             <a:extLst>
               <a:ext uri="{FF2B5EF4-FFF2-40B4-BE49-F238E27FC236}">
-                <a16:creationId xmlns:a16="http://schemas.microsoft.com/office/drawing/2014/main" id="{AE12B828-4B6F-EFD7-1462-E52CB2664782}"/>
+                <a16:creationId xmlns:a16="http://schemas.microsoft.com/office/drawing/2014/main" id="{097FAB2F-2630-585C-3B69-3D88759CAAF9}"/>
               </a:ext>
             </a:extLst>
           </p:cNvPr>
@@ -18262,18 +18415,19 @@
         </p:nvPicPr>
         <p:blipFill>
           <a:blip r:embed="rId2"/>
-          <a:srcRect l="2875" t="1842" r="2556" b="2586"/>
-          <a:stretch/>
+          <a:stretch>
+            <a:fillRect/>
+          </a:stretch>
         </p:blipFill>
         <p:spPr>
           <a:xfrm>
-            <a:off x="8032954" y="2418735"/>
-            <a:ext cx="3637936" cy="4080389"/>
+            <a:off x="5801186" y="2584346"/>
+            <a:ext cx="1808521" cy="3186113"/>
           </a:xfrm>
           <a:prstGeom prst="rect">
             <a:avLst/>
           </a:prstGeom>
-          <a:ln w="38100" cap="sq">
+          <a:ln w="88900" cap="sq" cmpd="thickThin">
             <a:solidFill>
               <a:srgbClr val="000000"/>
             </a:solidFill>
@@ -18281,11 +18435,93 @@
             <a:miter lim="800000"/>
           </a:ln>
           <a:effectLst>
-            <a:outerShdw blurRad="50800" dist="38100" dir="2700000" algn="tl" rotWithShape="0">
-              <a:srgbClr val="000000">
-                <a:alpha val="43000"/>
-              </a:srgbClr>
-            </a:outerShdw>
+            <a:innerShdw blurRad="76200">
+              <a:srgbClr val="000000"/>
+            </a:innerShdw>
+          </a:effectLst>
+        </p:spPr>
+      </p:pic>
+      <p:pic>
+        <p:nvPicPr>
+          <p:cNvPr id="12" name="Picture 11">
+            <a:extLst>
+              <a:ext uri="{FF2B5EF4-FFF2-40B4-BE49-F238E27FC236}">
+                <a16:creationId xmlns:a16="http://schemas.microsoft.com/office/drawing/2014/main" id="{FF3169C4-84A9-F5E8-55B1-538E7EB9CA2C}"/>
+              </a:ext>
+            </a:extLst>
+          </p:cNvPr>
+          <p:cNvPicPr>
+            <a:picLocks noChangeAspect="1"/>
+          </p:cNvPicPr>
+          <p:nvPr/>
+        </p:nvPicPr>
+        <p:blipFill>
+          <a:blip r:embed="rId3"/>
+          <a:stretch>
+            <a:fillRect/>
+          </a:stretch>
+        </p:blipFill>
+        <p:spPr>
+          <a:xfrm>
+            <a:off x="9733934" y="2584346"/>
+            <a:ext cx="1946787" cy="3248025"/>
+          </a:xfrm>
+          <a:prstGeom prst="rect">
+            <a:avLst/>
+          </a:prstGeom>
+          <a:ln w="88900" cap="sq" cmpd="thickThin">
+            <a:solidFill>
+              <a:srgbClr val="000000"/>
+            </a:solidFill>
+            <a:prstDash val="solid"/>
+            <a:miter lim="800000"/>
+          </a:ln>
+          <a:effectLst>
+            <a:innerShdw blurRad="76200">
+              <a:srgbClr val="000000"/>
+            </a:innerShdw>
+          </a:effectLst>
+        </p:spPr>
+      </p:pic>
+      <p:pic>
+        <p:nvPicPr>
+          <p:cNvPr id="16" name="Picture 15">
+            <a:extLst>
+              <a:ext uri="{FF2B5EF4-FFF2-40B4-BE49-F238E27FC236}">
+                <a16:creationId xmlns:a16="http://schemas.microsoft.com/office/drawing/2014/main" id="{4F58A306-C2C9-43D1-4ED8-D8A9800CB00E}"/>
+              </a:ext>
+            </a:extLst>
+          </p:cNvPr>
+          <p:cNvPicPr>
+            <a:picLocks noChangeAspect="1"/>
+          </p:cNvPicPr>
+          <p:nvPr/>
+        </p:nvPicPr>
+        <p:blipFill>
+          <a:blip r:embed="rId4"/>
+          <a:stretch>
+            <a:fillRect/>
+          </a:stretch>
+        </p:blipFill>
+        <p:spPr>
+          <a:xfrm>
+            <a:off x="7747742" y="2584346"/>
+            <a:ext cx="1838325" cy="3248025"/>
+          </a:xfrm>
+          <a:prstGeom prst="rect">
+            <a:avLst/>
+          </a:prstGeom>
+          <a:ln w="88900" cap="sq" cmpd="thickThin">
+            <a:solidFill>
+              <a:srgbClr val="000000"/>
+            </a:solidFill>
+            <a:prstDash val="solid"/>
+            <a:miter lim="800000"/>
+          </a:ln>
+          <a:effectLst>
+            <a:innerShdw blurRad="76200">
+              <a:srgbClr val="000000"/>
+            </a:innerShdw>
           </a:effectLst>
         </p:spPr>
       </p:pic>
@@ -18503,10 +18739,10 @@
       </p:sp>
       <p:pic>
         <p:nvPicPr>
-          <p:cNvPr id="11" name="Picture 10">
+          <p:cNvPr id="5" name="Picture 4">
             <a:extLst>
               <a:ext uri="{FF2B5EF4-FFF2-40B4-BE49-F238E27FC236}">
-                <a16:creationId xmlns:a16="http://schemas.microsoft.com/office/drawing/2014/main" id="{A67BCD16-1077-970E-F19B-A4EF0CC1175D}"/>
+                <a16:creationId xmlns:a16="http://schemas.microsoft.com/office/drawing/2014/main" id="{3BCC3292-F092-38E6-6A3D-8CA0BCAE5331}"/>
               </a:ext>
             </a:extLst>
           </p:cNvPr>
@@ -18517,18 +18753,19 @@
         </p:nvPicPr>
         <p:blipFill>
           <a:blip r:embed="rId2"/>
-          <a:srcRect t="4684" r="2792" b="949"/>
-          <a:stretch/>
+          <a:stretch>
+            <a:fillRect/>
+          </a:stretch>
         </p:blipFill>
         <p:spPr>
           <a:xfrm>
-            <a:off x="6420463" y="4558541"/>
-            <a:ext cx="5368415" cy="1633426"/>
+            <a:off x="6851393" y="2399070"/>
+            <a:ext cx="4467225" cy="2054943"/>
           </a:xfrm>
           <a:prstGeom prst="rect">
             <a:avLst/>
           </a:prstGeom>
-          <a:ln w="38100" cap="sq">
+          <a:ln w="88900" cap="sq" cmpd="thickThin">
             <a:solidFill>
               <a:srgbClr val="000000"/>
             </a:solidFill>
@@ -18536,20 +18773,18 @@
             <a:miter lim="800000"/>
           </a:ln>
           <a:effectLst>
-            <a:outerShdw blurRad="50800" dist="38100" dir="2700000" algn="tl" rotWithShape="0">
-              <a:srgbClr val="000000">
-                <a:alpha val="43000"/>
-              </a:srgbClr>
-            </a:outerShdw>
+            <a:innerShdw blurRad="76200">
+              <a:srgbClr val="000000"/>
+            </a:innerShdw>
           </a:effectLst>
         </p:spPr>
       </p:pic>
       <p:pic>
         <p:nvPicPr>
-          <p:cNvPr id="13" name="Picture 12">
+          <p:cNvPr id="9" name="Picture 8">
             <a:extLst>
               <a:ext uri="{FF2B5EF4-FFF2-40B4-BE49-F238E27FC236}">
-                <a16:creationId xmlns:a16="http://schemas.microsoft.com/office/drawing/2014/main" id="{8645EA5F-7CC2-E839-7D41-2FC170E7667C}"/>
+                <a16:creationId xmlns:a16="http://schemas.microsoft.com/office/drawing/2014/main" id="{E74A5BB4-ABED-2B15-CE02-0A71BEBB04B4}"/>
               </a:ext>
             </a:extLst>
           </p:cNvPr>
@@ -18560,18 +18795,19 @@
         </p:nvPicPr>
         <p:blipFill>
           <a:blip r:embed="rId3"/>
-          <a:srcRect l="2860" t="3339" r="3146" b="2258"/>
-          <a:stretch/>
+          <a:stretch>
+            <a:fillRect/>
+          </a:stretch>
         </p:blipFill>
         <p:spPr>
           <a:xfrm>
-            <a:off x="9202994" y="2299458"/>
-            <a:ext cx="2585884" cy="1987407"/>
+            <a:off x="6851393" y="4581832"/>
+            <a:ext cx="2184452" cy="2202425"/>
           </a:xfrm>
           <a:prstGeom prst="rect">
             <a:avLst/>
           </a:prstGeom>
-          <a:ln w="38100" cap="sq">
+          <a:ln w="88900" cap="sq" cmpd="thickThin">
             <a:solidFill>
               <a:srgbClr val="000000"/>
             </a:solidFill>
@@ -18579,20 +18815,18 @@
             <a:miter lim="800000"/>
           </a:ln>
           <a:effectLst>
-            <a:outerShdw blurRad="50800" dist="38100" dir="2700000" algn="tl" rotWithShape="0">
-              <a:srgbClr val="000000">
-                <a:alpha val="43000"/>
-              </a:srgbClr>
-            </a:outerShdw>
+            <a:innerShdw blurRad="76200">
+              <a:srgbClr val="000000"/>
+            </a:innerShdw>
           </a:effectLst>
         </p:spPr>
       </p:pic>
       <p:pic>
         <p:nvPicPr>
-          <p:cNvPr id="15" name="Picture 14">
+          <p:cNvPr id="16" name="Picture 15">
             <a:extLst>
               <a:ext uri="{FF2B5EF4-FFF2-40B4-BE49-F238E27FC236}">
-                <a16:creationId xmlns:a16="http://schemas.microsoft.com/office/drawing/2014/main" id="{19CA46A6-730A-8C8C-5EB6-70E1B1D56E35}"/>
+                <a16:creationId xmlns:a16="http://schemas.microsoft.com/office/drawing/2014/main" id="{E35C653C-7050-AAC0-E35F-DAFB67EE0FF2}"/>
               </a:ext>
             </a:extLst>
           </p:cNvPr>
@@ -18603,18 +18837,19 @@
         </p:nvPicPr>
         <p:blipFill>
           <a:blip r:embed="rId4"/>
-          <a:srcRect l="3276" t="1530" r="4012" b="3919"/>
-          <a:stretch/>
+          <a:stretch>
+            <a:fillRect/>
+          </a:stretch>
         </p:blipFill>
         <p:spPr>
           <a:xfrm>
-            <a:off x="6371303" y="2314815"/>
-            <a:ext cx="2664542" cy="1972050"/>
+            <a:off x="9213593" y="4581834"/>
+            <a:ext cx="2105025" cy="2202424"/>
           </a:xfrm>
           <a:prstGeom prst="rect">
             <a:avLst/>
           </a:prstGeom>
-          <a:ln w="38100" cap="sq">
+          <a:ln w="88900" cap="sq" cmpd="thickThin">
             <a:solidFill>
               <a:srgbClr val="000000"/>
             </a:solidFill>
@@ -18622,11 +18857,9 @@
             <a:miter lim="800000"/>
           </a:ln>
           <a:effectLst>
-            <a:outerShdw blurRad="50800" dist="38100" dir="2700000" algn="tl" rotWithShape="0">
-              <a:srgbClr val="000000">
-                <a:alpha val="43000"/>
-              </a:srgbClr>
-            </a:outerShdw>
+            <a:innerShdw blurRad="76200">
+              <a:srgbClr val="000000"/>
+            </a:innerShdw>
           </a:effectLst>
         </p:spPr>
       </p:pic>
